--- a/Template.pptx
+++ b/Template.pptx
@@ -106,6 +106,11 @@
       </a:defRPr>
     </a:lvl9pPr>
   </p:defaultTextStyle>
+  <p:extLst>
+    <p:ext uri="{EFAFB233-063F-42B5-8137-9DF3F51BA10A}">
+      <p15:sldGuideLst xmlns:p15="http://schemas.microsoft.com/office/powerpoint/2012/main"/>
+    </p:ext>
+  </p:extLst>
 </p:presentation>
 </file>
 
@@ -256,7 +261,7 @@
           <a:p>
             <a:fld id="{B00C791C-8BCF-4D5C-9CE2-A2946A89C16C}" type="datetimeFigureOut">
               <a:rPr lang="en-US" smtClean="0"/>
-              <a:t>11/27/2021</a:t>
+              <a:t>11/30/2021</a:t>
             </a:fld>
             <a:endParaRPr lang="en-US"/>
           </a:p>
@@ -454,7 +459,7 @@
           <a:p>
             <a:fld id="{B00C791C-8BCF-4D5C-9CE2-A2946A89C16C}" type="datetimeFigureOut">
               <a:rPr lang="en-US" smtClean="0"/>
-              <a:t>11/28/2021</a:t>
+              <a:t>11/30/2021</a:t>
             </a:fld>
             <a:endParaRPr lang="en-US"/>
           </a:p>
@@ -699,7 +704,7 @@
           <a:p>
             <a:fld id="{B00C791C-8BCF-4D5C-9CE2-A2946A89C16C}" type="datetimeFigureOut">
               <a:rPr lang="en-US" smtClean="0"/>
-              <a:t>11/27/2021</a:t>
+              <a:t>11/30/2021</a:t>
             </a:fld>
             <a:endParaRPr lang="en-US"/>
           </a:p>
@@ -833,7 +838,12 @@
             <p:ph idx="1"/>
           </p:nvPr>
         </p:nvSpPr>
-        <p:spPr/>
+        <p:spPr>
+          <a:xfrm>
+            <a:off x="620110" y="963038"/>
+            <a:ext cx="11004331" cy="5475861"/>
+          </a:xfrm>
+        </p:spPr>
         <p:txBody>
           <a:bodyPr/>
           <a:lstStyle/>
@@ -897,7 +907,7 @@
           <a:p>
             <a:fld id="{B00C791C-8BCF-4D5C-9CE2-A2946A89C16C}" type="datetimeFigureOut">
               <a:rPr lang="en-US" smtClean="0"/>
-              <a:t>11/28/2021</a:t>
+              <a:t>11/30/2021</a:t>
             </a:fld>
             <a:endParaRPr lang="en-US"/>
           </a:p>
@@ -1246,7 +1256,7 @@
           <a:p>
             <a:fld id="{B00C791C-8BCF-4D5C-9CE2-A2946A89C16C}" type="datetimeFigureOut">
               <a:rPr lang="en-US" smtClean="0"/>
-              <a:t>11/27/2021</a:t>
+              <a:t>11/30/2021</a:t>
             </a:fld>
             <a:endParaRPr lang="en-US"/>
           </a:p>
@@ -1511,7 +1521,7 @@
           <a:p>
             <a:fld id="{B00C791C-8BCF-4D5C-9CE2-A2946A89C16C}" type="datetimeFigureOut">
               <a:rPr lang="en-US" smtClean="0"/>
-              <a:t>11/28/2021</a:t>
+              <a:t>11/30/2021</a:t>
             </a:fld>
             <a:endParaRPr lang="en-US"/>
           </a:p>
@@ -1968,7 +1978,7 @@
           <a:p>
             <a:fld id="{B00C791C-8BCF-4D5C-9CE2-A2946A89C16C}" type="datetimeFigureOut">
               <a:rPr lang="en-US" smtClean="0"/>
-              <a:t>11/28/2021</a:t>
+              <a:t>11/30/2021</a:t>
             </a:fld>
             <a:endParaRPr lang="en-US"/>
           </a:p>
@@ -2287,7 +2297,7 @@
           <a:p>
             <a:fld id="{B00C791C-8BCF-4D5C-9CE2-A2946A89C16C}" type="datetimeFigureOut">
               <a:rPr lang="en-US" smtClean="0"/>
-              <a:t>11/28/2021</a:t>
+              <a:t>11/30/2021</a:t>
             </a:fld>
             <a:endParaRPr lang="en-US"/>
           </a:p>
@@ -2474,7 +2484,7 @@
           <a:p>
             <a:fld id="{B00C791C-8BCF-4D5C-9CE2-A2946A89C16C}" type="datetimeFigureOut">
               <a:rPr lang="en-US" smtClean="0"/>
-              <a:t>11/28/2021</a:t>
+              <a:t>11/30/2021</a:t>
             </a:fld>
             <a:endParaRPr lang="en-US"/>
           </a:p>
@@ -2785,7 +2795,7 @@
           <a:p>
             <a:fld id="{B00C791C-8BCF-4D5C-9CE2-A2946A89C16C}" type="datetimeFigureOut">
               <a:rPr lang="en-US" smtClean="0"/>
-              <a:t>11/28/2021</a:t>
+              <a:t>11/30/2021</a:t>
             </a:fld>
             <a:endParaRPr lang="en-US"/>
           </a:p>
@@ -3171,7 +3181,7 @@
           <a:p>
             <a:fld id="{B00C791C-8BCF-4D5C-9CE2-A2946A89C16C}" type="datetimeFigureOut">
               <a:rPr lang="en-US" smtClean="0"/>
-              <a:t>11/28/2021</a:t>
+              <a:t>11/30/2021</a:t>
             </a:fld>
             <a:endParaRPr lang="en-US"/>
           </a:p>
@@ -3359,8 +3369,8 @@
         </p:nvSpPr>
         <p:spPr>
           <a:xfrm>
-            <a:off x="162128" y="963038"/>
-            <a:ext cx="11877472" cy="5475861"/>
+            <a:off x="588578" y="963038"/>
+            <a:ext cx="11025353" cy="5475861"/>
           </a:xfrm>
           <a:prstGeom prst="rect">
             <a:avLst/>
@@ -3449,7 +3459,7 @@
           <a:p>
             <a:fld id="{B00C791C-8BCF-4D5C-9CE2-A2946A89C16C}" type="datetimeFigureOut">
               <a:rPr lang="en-US" smtClean="0"/>
-              <a:t>11/28/2021</a:t>
+              <a:t>11/30/2021</a:t>
             </a:fld>
             <a:endParaRPr lang="en-US" dirty="0"/>
           </a:p>

--- a/Template.pptx
+++ b/Template.pptx
@@ -261,7 +261,7 @@
           <a:p>
             <a:fld id="{B00C791C-8BCF-4D5C-9CE2-A2946A89C16C}" type="datetimeFigureOut">
               <a:rPr lang="en-US" smtClean="0"/>
-              <a:t>11/30/2021</a:t>
+              <a:t>12/5/2021</a:t>
             </a:fld>
             <a:endParaRPr lang="en-US"/>
           </a:p>
@@ -459,7 +459,7 @@
           <a:p>
             <a:fld id="{B00C791C-8BCF-4D5C-9CE2-A2946A89C16C}" type="datetimeFigureOut">
               <a:rPr lang="en-US" smtClean="0"/>
-              <a:t>11/30/2021</a:t>
+              <a:t>12/5/2021</a:t>
             </a:fld>
             <a:endParaRPr lang="en-US"/>
           </a:p>
@@ -519,43 +519,79 @@
           </a:p>
         </p:txBody>
       </p:sp>
-      <p:sp>
-        <p:nvSpPr>
-          <p:cNvPr id="7" name="Picture Placeholder 9">
-            <a:extLst>
-              <a:ext uri="{FF2B5EF4-FFF2-40B4-BE49-F238E27FC236}">
-                <a16:creationId xmlns:a16="http://schemas.microsoft.com/office/drawing/2014/main" id="{79036B8A-9EAD-4AAD-83AA-DC9A263E3A64}"/>
-              </a:ext>
-            </a:extLst>
-          </p:cNvPr>
-          <p:cNvSpPr>
-            <a:spLocks noGrp="1"/>
-          </p:cNvSpPr>
-          <p:nvPr>
-            <p:ph type="pic" sz="quarter" idx="13" hasCustomPrompt="1"/>
-          </p:nvPr>
-        </p:nvSpPr>
+      <p:cxnSp>
+        <p:nvCxnSpPr>
+          <p:cNvPr id="8" name="Straight Connector 7">
+            <a:extLst>
+              <a:ext uri="{FF2B5EF4-FFF2-40B4-BE49-F238E27FC236}">
+                <a16:creationId xmlns:a16="http://schemas.microsoft.com/office/drawing/2014/main" id="{DC6B3600-D778-4C56-91A5-D6578B6B4EDC}"/>
+              </a:ext>
+            </a:extLst>
+          </p:cNvPr>
+          <p:cNvCxnSpPr/>
+          <p:nvPr userDrawn="1"/>
+        </p:nvCxnSpPr>
         <p:spPr>
           <a:xfrm>
-            <a:off x="10310813" y="127000"/>
-            <a:ext cx="1728787" cy="695325"/>
+            <a:off x="152400" y="854366"/>
+            <a:ext cx="11887200" cy="0"/>
           </a:xfrm>
+          <a:prstGeom prst="line">
+            <a:avLst/>
+          </a:prstGeom>
+          <a:ln w="31750"/>
         </p:spPr>
-        <p:txBody>
-          <a:bodyPr/>
-          <a:lstStyle>
-            <a:lvl1pPr>
-              <a:defRPr/>
-            </a:lvl1pPr>
-          </a:lstStyle>
-          <a:p>
-            <a:r>
-              <a:rPr lang="en-US" dirty="0"/>
-              <a:t>Logo</a:t>
-            </a:r>
-          </a:p>
-        </p:txBody>
-      </p:sp>
+        <p:style>
+          <a:lnRef idx="1">
+            <a:schemeClr val="accent3"/>
+          </a:lnRef>
+          <a:fillRef idx="0">
+            <a:schemeClr val="accent3"/>
+          </a:fillRef>
+          <a:effectRef idx="0">
+            <a:schemeClr val="accent3"/>
+          </a:effectRef>
+          <a:fontRef idx="minor">
+            <a:schemeClr val="tx1"/>
+          </a:fontRef>
+        </p:style>
+      </p:cxnSp>
+      <p:pic>
+        <p:nvPicPr>
+          <p:cNvPr id="9" name="Picture 8" descr="Logo, company name&#10;&#10;Description automatically generated">
+            <a:extLst>
+              <a:ext uri="{FF2B5EF4-FFF2-40B4-BE49-F238E27FC236}">
+                <a16:creationId xmlns:a16="http://schemas.microsoft.com/office/drawing/2014/main" id="{189C2145-46D9-4050-A5C9-9AA2F987DCFF}"/>
+              </a:ext>
+            </a:extLst>
+          </p:cNvPr>
+          <p:cNvPicPr>
+            <a:picLocks noChangeAspect="1"/>
+          </p:cNvPicPr>
+          <p:nvPr userDrawn="1"/>
+        </p:nvPicPr>
+        <p:blipFill>
+          <a:blip r:embed="rId2">
+            <a:extLst>
+              <a:ext uri="{28A0092B-C50C-407E-A947-70E740481C1C}">
+                <a14:useLocalDpi xmlns:a14="http://schemas.microsoft.com/office/drawing/2010/main" val="0"/>
+              </a:ext>
+            </a:extLst>
+          </a:blip>
+          <a:stretch>
+            <a:fillRect/>
+          </a:stretch>
+        </p:blipFill>
+        <p:spPr>
+          <a:xfrm>
+            <a:off x="10383209" y="36591"/>
+            <a:ext cx="1202438" cy="800102"/>
+          </a:xfrm>
+          <a:prstGeom prst="rect">
+            <a:avLst/>
+          </a:prstGeom>
+        </p:spPr>
+      </p:pic>
     </p:spTree>
     <p:extLst>
       <p:ext uri="{BB962C8B-B14F-4D97-AF65-F5344CB8AC3E}">
@@ -704,7 +740,7 @@
           <a:p>
             <a:fld id="{B00C791C-8BCF-4D5C-9CE2-A2946A89C16C}" type="datetimeFigureOut">
               <a:rPr lang="en-US" smtClean="0"/>
-              <a:t>11/30/2021</a:t>
+              <a:t>12/5/2021</a:t>
             </a:fld>
             <a:endParaRPr lang="en-US"/>
           </a:p>
@@ -907,7 +943,7 @@
           <a:p>
             <a:fld id="{B00C791C-8BCF-4D5C-9CE2-A2946A89C16C}" type="datetimeFigureOut">
               <a:rPr lang="en-US" smtClean="0"/>
-              <a:t>11/30/2021</a:t>
+              <a:t>12/5/2021</a:t>
             </a:fld>
             <a:endParaRPr lang="en-US"/>
           </a:p>
@@ -969,10 +1005,10 @@
       </p:sp>
       <p:cxnSp>
         <p:nvCxnSpPr>
-          <p:cNvPr id="8" name="Straight Connector 7">
-            <a:extLst>
-              <a:ext uri="{FF2B5EF4-FFF2-40B4-BE49-F238E27FC236}">
-                <a16:creationId xmlns:a16="http://schemas.microsoft.com/office/drawing/2014/main" id="{86824CBB-1CA2-4374-BF0D-136995A15571}"/>
+          <p:cNvPr id="9" name="Straight Connector 8">
+            <a:extLst>
+              <a:ext uri="{FF2B5EF4-FFF2-40B4-BE49-F238E27FC236}">
+                <a16:creationId xmlns:a16="http://schemas.microsoft.com/office/drawing/2014/main" id="{FCC8AA82-AEB9-4A53-9057-FAC3C770C20A}"/>
               </a:ext>
             </a:extLst>
           </p:cNvPr>
@@ -981,7 +1017,7 @@
         </p:nvCxnSpPr>
         <p:spPr>
           <a:xfrm>
-            <a:off x="152400" y="825182"/>
+            <a:off x="152400" y="854366"/>
             <a:ext cx="11887200" cy="0"/>
           </a:xfrm>
           <a:prstGeom prst="line">
@@ -1004,43 +1040,42 @@
           </a:fontRef>
         </p:style>
       </p:cxnSp>
-      <p:sp>
-        <p:nvSpPr>
-          <p:cNvPr id="10" name="Picture Placeholder 9">
-            <a:extLst>
-              <a:ext uri="{FF2B5EF4-FFF2-40B4-BE49-F238E27FC236}">
-                <a16:creationId xmlns:a16="http://schemas.microsoft.com/office/drawing/2014/main" id="{2E2A427E-E722-43F6-8893-29256C9DFEB5}"/>
-              </a:ext>
-            </a:extLst>
-          </p:cNvPr>
-          <p:cNvSpPr>
-            <a:spLocks noGrp="1"/>
-          </p:cNvSpPr>
-          <p:nvPr>
-            <p:ph type="pic" sz="quarter" idx="13" hasCustomPrompt="1"/>
-          </p:nvPr>
-        </p:nvSpPr>
+      <p:pic>
+        <p:nvPicPr>
+          <p:cNvPr id="11" name="Picture 10" descr="Logo, company name&#10;&#10;Description automatically generated">
+            <a:extLst>
+              <a:ext uri="{FF2B5EF4-FFF2-40B4-BE49-F238E27FC236}">
+                <a16:creationId xmlns:a16="http://schemas.microsoft.com/office/drawing/2014/main" id="{E9CE815A-F2A8-45F6-B26E-CF04AC54F8D9}"/>
+              </a:ext>
+            </a:extLst>
+          </p:cNvPr>
+          <p:cNvPicPr>
+            <a:picLocks noChangeAspect="1"/>
+          </p:cNvPicPr>
+          <p:nvPr userDrawn="1"/>
+        </p:nvPicPr>
+        <p:blipFill>
+          <a:blip r:embed="rId2">
+            <a:extLst>
+              <a:ext uri="{28A0092B-C50C-407E-A947-70E740481C1C}">
+                <a14:useLocalDpi xmlns:a14="http://schemas.microsoft.com/office/drawing/2010/main" val="0"/>
+              </a:ext>
+            </a:extLst>
+          </a:blip>
+          <a:stretch>
+            <a:fillRect/>
+          </a:stretch>
+        </p:blipFill>
         <p:spPr>
           <a:xfrm>
-            <a:off x="10310813" y="127000"/>
-            <a:ext cx="1728787" cy="695325"/>
+            <a:off x="10383209" y="36591"/>
+            <a:ext cx="1202438" cy="800102"/>
           </a:xfrm>
+          <a:prstGeom prst="rect">
+            <a:avLst/>
+          </a:prstGeom>
         </p:spPr>
-        <p:txBody>
-          <a:bodyPr/>
-          <a:lstStyle>
-            <a:lvl1pPr>
-              <a:defRPr/>
-            </a:lvl1pPr>
-          </a:lstStyle>
-          <a:p>
-            <a:r>
-              <a:rPr lang="en-US" dirty="0"/>
-              <a:t>Logo</a:t>
-            </a:r>
-          </a:p>
-        </p:txBody>
-      </p:sp>
+      </p:pic>
     </p:spTree>
     <p:extLst>
       <p:ext uri="{BB962C8B-B14F-4D97-AF65-F5344CB8AC3E}">
@@ -1256,7 +1291,7 @@
           <a:p>
             <a:fld id="{B00C791C-8BCF-4D5C-9CE2-A2946A89C16C}" type="datetimeFigureOut">
               <a:rPr lang="en-US" smtClean="0"/>
-              <a:t>11/30/2021</a:t>
+              <a:t>12/5/2021</a:t>
             </a:fld>
             <a:endParaRPr lang="en-US"/>
           </a:p>
@@ -1521,7 +1556,7 @@
           <a:p>
             <a:fld id="{B00C791C-8BCF-4D5C-9CE2-A2946A89C16C}" type="datetimeFigureOut">
               <a:rPr lang="en-US" smtClean="0"/>
-              <a:t>11/30/2021</a:t>
+              <a:t>12/5/2021</a:t>
             </a:fld>
             <a:endParaRPr lang="en-US"/>
           </a:p>
@@ -1583,10 +1618,10 @@
       </p:sp>
       <p:cxnSp>
         <p:nvCxnSpPr>
-          <p:cNvPr id="8" name="Straight Connector 7">
-            <a:extLst>
-              <a:ext uri="{FF2B5EF4-FFF2-40B4-BE49-F238E27FC236}">
-                <a16:creationId xmlns:a16="http://schemas.microsoft.com/office/drawing/2014/main" id="{A9B09EBF-7BC1-4674-AC80-CBA7BD9ADF4D}"/>
+          <p:cNvPr id="10" name="Straight Connector 9">
+            <a:extLst>
+              <a:ext uri="{FF2B5EF4-FFF2-40B4-BE49-F238E27FC236}">
+                <a16:creationId xmlns:a16="http://schemas.microsoft.com/office/drawing/2014/main" id="{573AD3E8-EBCF-4464-96B3-8FFCA9A71A00}"/>
               </a:ext>
             </a:extLst>
           </p:cNvPr>
@@ -1595,7 +1630,7 @@
         </p:nvCxnSpPr>
         <p:spPr>
           <a:xfrm>
-            <a:off x="152400" y="825182"/>
+            <a:off x="152400" y="854366"/>
             <a:ext cx="11887200" cy="0"/>
           </a:xfrm>
           <a:prstGeom prst="line">
@@ -1618,43 +1653,42 @@
           </a:fontRef>
         </p:style>
       </p:cxnSp>
-      <p:sp>
-        <p:nvSpPr>
-          <p:cNvPr id="9" name="Picture Placeholder 9">
-            <a:extLst>
-              <a:ext uri="{FF2B5EF4-FFF2-40B4-BE49-F238E27FC236}">
-                <a16:creationId xmlns:a16="http://schemas.microsoft.com/office/drawing/2014/main" id="{432B0486-9540-4B30-8243-96CA7823DDB6}"/>
-              </a:ext>
-            </a:extLst>
-          </p:cNvPr>
-          <p:cNvSpPr>
-            <a:spLocks noGrp="1"/>
-          </p:cNvSpPr>
-          <p:nvPr>
-            <p:ph type="pic" sz="quarter" idx="13" hasCustomPrompt="1"/>
-          </p:nvPr>
-        </p:nvSpPr>
+      <p:pic>
+        <p:nvPicPr>
+          <p:cNvPr id="11" name="Picture 10" descr="Logo, company name&#10;&#10;Description automatically generated">
+            <a:extLst>
+              <a:ext uri="{FF2B5EF4-FFF2-40B4-BE49-F238E27FC236}">
+                <a16:creationId xmlns:a16="http://schemas.microsoft.com/office/drawing/2014/main" id="{1A337DCB-CD0C-4C11-8204-229DCD6D4232}"/>
+              </a:ext>
+            </a:extLst>
+          </p:cNvPr>
+          <p:cNvPicPr>
+            <a:picLocks noChangeAspect="1"/>
+          </p:cNvPicPr>
+          <p:nvPr userDrawn="1"/>
+        </p:nvPicPr>
+        <p:blipFill>
+          <a:blip r:embed="rId2">
+            <a:extLst>
+              <a:ext uri="{28A0092B-C50C-407E-A947-70E740481C1C}">
+                <a14:useLocalDpi xmlns:a14="http://schemas.microsoft.com/office/drawing/2010/main" val="0"/>
+              </a:ext>
+            </a:extLst>
+          </a:blip>
+          <a:stretch>
+            <a:fillRect/>
+          </a:stretch>
+        </p:blipFill>
         <p:spPr>
           <a:xfrm>
-            <a:off x="10310813" y="127000"/>
-            <a:ext cx="1728787" cy="695325"/>
+            <a:off x="10383209" y="36591"/>
+            <a:ext cx="1202438" cy="800102"/>
           </a:xfrm>
+          <a:prstGeom prst="rect">
+            <a:avLst/>
+          </a:prstGeom>
         </p:spPr>
-        <p:txBody>
-          <a:bodyPr/>
-          <a:lstStyle>
-            <a:lvl1pPr>
-              <a:defRPr/>
-            </a:lvl1pPr>
-          </a:lstStyle>
-          <a:p>
-            <a:r>
-              <a:rPr lang="en-US" dirty="0"/>
-              <a:t>Logo</a:t>
-            </a:r>
-          </a:p>
-        </p:txBody>
-      </p:sp>
+      </p:pic>
     </p:spTree>
     <p:extLst>
       <p:ext uri="{BB962C8B-B14F-4D97-AF65-F5344CB8AC3E}">
@@ -1978,7 +2012,7 @@
           <a:p>
             <a:fld id="{B00C791C-8BCF-4D5C-9CE2-A2946A89C16C}" type="datetimeFigureOut">
               <a:rPr lang="en-US" smtClean="0"/>
-              <a:t>11/30/2021</a:t>
+              <a:t>12/5/2021</a:t>
             </a:fld>
             <a:endParaRPr lang="en-US"/>
           </a:p>
@@ -2144,10 +2178,10 @@
       </p:sp>
       <p:cxnSp>
         <p:nvCxnSpPr>
-          <p:cNvPr id="13" name="Straight Connector 12">
-            <a:extLst>
-              <a:ext uri="{FF2B5EF4-FFF2-40B4-BE49-F238E27FC236}">
-                <a16:creationId xmlns:a16="http://schemas.microsoft.com/office/drawing/2014/main" id="{E7645BA2-6017-4F52-A579-CFE985726AEA}"/>
+          <p:cNvPr id="15" name="Straight Connector 14">
+            <a:extLst>
+              <a:ext uri="{FF2B5EF4-FFF2-40B4-BE49-F238E27FC236}">
+                <a16:creationId xmlns:a16="http://schemas.microsoft.com/office/drawing/2014/main" id="{E763B123-7F15-4172-A69B-6AA02ED82B18}"/>
               </a:ext>
             </a:extLst>
           </p:cNvPr>
@@ -2156,7 +2190,7 @@
         </p:nvCxnSpPr>
         <p:spPr>
           <a:xfrm>
-            <a:off x="152400" y="825182"/>
+            <a:off x="152400" y="854366"/>
             <a:ext cx="11887200" cy="0"/>
           </a:xfrm>
           <a:prstGeom prst="line">
@@ -2179,43 +2213,42 @@
           </a:fontRef>
         </p:style>
       </p:cxnSp>
-      <p:sp>
-        <p:nvSpPr>
-          <p:cNvPr id="14" name="Picture Placeholder 9">
-            <a:extLst>
-              <a:ext uri="{FF2B5EF4-FFF2-40B4-BE49-F238E27FC236}">
-                <a16:creationId xmlns:a16="http://schemas.microsoft.com/office/drawing/2014/main" id="{8CB20CA8-6653-4DAA-9882-BB51E1356B86}"/>
-              </a:ext>
-            </a:extLst>
-          </p:cNvPr>
-          <p:cNvSpPr>
-            <a:spLocks noGrp="1"/>
-          </p:cNvSpPr>
-          <p:nvPr>
-            <p:ph type="pic" sz="quarter" idx="14" hasCustomPrompt="1"/>
-          </p:nvPr>
-        </p:nvSpPr>
+      <p:pic>
+        <p:nvPicPr>
+          <p:cNvPr id="16" name="Picture 15" descr="Logo, company name&#10;&#10;Description automatically generated">
+            <a:extLst>
+              <a:ext uri="{FF2B5EF4-FFF2-40B4-BE49-F238E27FC236}">
+                <a16:creationId xmlns:a16="http://schemas.microsoft.com/office/drawing/2014/main" id="{D2AA806D-C0DD-47FA-8911-A1C114E6E99F}"/>
+              </a:ext>
+            </a:extLst>
+          </p:cNvPr>
+          <p:cNvPicPr>
+            <a:picLocks noChangeAspect="1"/>
+          </p:cNvPicPr>
+          <p:nvPr userDrawn="1"/>
+        </p:nvPicPr>
+        <p:blipFill>
+          <a:blip r:embed="rId2">
+            <a:extLst>
+              <a:ext uri="{28A0092B-C50C-407E-A947-70E740481C1C}">
+                <a14:useLocalDpi xmlns:a14="http://schemas.microsoft.com/office/drawing/2010/main" val="0"/>
+              </a:ext>
+            </a:extLst>
+          </a:blip>
+          <a:stretch>
+            <a:fillRect/>
+          </a:stretch>
+        </p:blipFill>
         <p:spPr>
           <a:xfrm>
-            <a:off x="10310813" y="127000"/>
-            <a:ext cx="1728787" cy="695325"/>
+            <a:off x="10383209" y="36591"/>
+            <a:ext cx="1202438" cy="800102"/>
           </a:xfrm>
+          <a:prstGeom prst="rect">
+            <a:avLst/>
+          </a:prstGeom>
         </p:spPr>
-        <p:txBody>
-          <a:bodyPr/>
-          <a:lstStyle>
-            <a:lvl1pPr>
-              <a:defRPr/>
-            </a:lvl1pPr>
-          </a:lstStyle>
-          <a:p>
-            <a:r>
-              <a:rPr lang="en-US" dirty="0"/>
-              <a:t>Logo</a:t>
-            </a:r>
-          </a:p>
-        </p:txBody>
-      </p:sp>
+      </p:pic>
     </p:spTree>
     <p:extLst>
       <p:ext uri="{BB962C8B-B14F-4D97-AF65-F5344CB8AC3E}">
@@ -2297,7 +2330,7 @@
           <a:p>
             <a:fld id="{B00C791C-8BCF-4D5C-9CE2-A2946A89C16C}" type="datetimeFigureOut">
               <a:rPr lang="en-US" smtClean="0"/>
-              <a:t>11/30/2021</a:t>
+              <a:t>12/5/2021</a:t>
             </a:fld>
             <a:endParaRPr lang="en-US"/>
           </a:p>
@@ -2359,10 +2392,10 @@
       </p:sp>
       <p:cxnSp>
         <p:nvCxnSpPr>
-          <p:cNvPr id="6" name="Straight Connector 5">
-            <a:extLst>
-              <a:ext uri="{FF2B5EF4-FFF2-40B4-BE49-F238E27FC236}">
-                <a16:creationId xmlns:a16="http://schemas.microsoft.com/office/drawing/2014/main" id="{42486458-D1FC-496C-9543-500B1C2F48FB}"/>
+          <p:cNvPr id="8" name="Straight Connector 7">
+            <a:extLst>
+              <a:ext uri="{FF2B5EF4-FFF2-40B4-BE49-F238E27FC236}">
+                <a16:creationId xmlns:a16="http://schemas.microsoft.com/office/drawing/2014/main" id="{94AF8631-11BE-43A9-9BB2-DF033CDDFAAA}"/>
               </a:ext>
             </a:extLst>
           </p:cNvPr>
@@ -2371,7 +2404,7 @@
         </p:nvCxnSpPr>
         <p:spPr>
           <a:xfrm>
-            <a:off x="152400" y="825182"/>
+            <a:off x="152400" y="854366"/>
             <a:ext cx="11887200" cy="0"/>
           </a:xfrm>
           <a:prstGeom prst="line">
@@ -2394,43 +2427,42 @@
           </a:fontRef>
         </p:style>
       </p:cxnSp>
-      <p:sp>
-        <p:nvSpPr>
-          <p:cNvPr id="7" name="Picture Placeholder 9">
-            <a:extLst>
-              <a:ext uri="{FF2B5EF4-FFF2-40B4-BE49-F238E27FC236}">
-                <a16:creationId xmlns:a16="http://schemas.microsoft.com/office/drawing/2014/main" id="{D02D8F3B-C6C8-4421-9BB2-F38382CD3131}"/>
-              </a:ext>
-            </a:extLst>
-          </p:cNvPr>
-          <p:cNvSpPr>
-            <a:spLocks noGrp="1"/>
-          </p:cNvSpPr>
-          <p:nvPr>
-            <p:ph type="pic" sz="quarter" idx="13" hasCustomPrompt="1"/>
-          </p:nvPr>
-        </p:nvSpPr>
+      <p:pic>
+        <p:nvPicPr>
+          <p:cNvPr id="9" name="Picture 8" descr="Logo, company name&#10;&#10;Description automatically generated">
+            <a:extLst>
+              <a:ext uri="{FF2B5EF4-FFF2-40B4-BE49-F238E27FC236}">
+                <a16:creationId xmlns:a16="http://schemas.microsoft.com/office/drawing/2014/main" id="{9F83985B-318D-4431-94CA-3526DF880C29}"/>
+              </a:ext>
+            </a:extLst>
+          </p:cNvPr>
+          <p:cNvPicPr>
+            <a:picLocks noChangeAspect="1"/>
+          </p:cNvPicPr>
+          <p:nvPr userDrawn="1"/>
+        </p:nvPicPr>
+        <p:blipFill>
+          <a:blip r:embed="rId2">
+            <a:extLst>
+              <a:ext uri="{28A0092B-C50C-407E-A947-70E740481C1C}">
+                <a14:useLocalDpi xmlns:a14="http://schemas.microsoft.com/office/drawing/2010/main" val="0"/>
+              </a:ext>
+            </a:extLst>
+          </a:blip>
+          <a:stretch>
+            <a:fillRect/>
+          </a:stretch>
+        </p:blipFill>
         <p:spPr>
           <a:xfrm>
-            <a:off x="10310813" y="127000"/>
-            <a:ext cx="1728787" cy="695325"/>
+            <a:off x="10383209" y="36591"/>
+            <a:ext cx="1202438" cy="800102"/>
           </a:xfrm>
+          <a:prstGeom prst="rect">
+            <a:avLst/>
+          </a:prstGeom>
         </p:spPr>
-        <p:txBody>
-          <a:bodyPr/>
-          <a:lstStyle>
-            <a:lvl1pPr>
-              <a:defRPr/>
-            </a:lvl1pPr>
-          </a:lstStyle>
-          <a:p>
-            <a:r>
-              <a:rPr lang="en-US" dirty="0"/>
-              <a:t>Logo</a:t>
-            </a:r>
-          </a:p>
-        </p:txBody>
-      </p:sp>
+      </p:pic>
     </p:spTree>
     <p:extLst>
       <p:ext uri="{BB962C8B-B14F-4D97-AF65-F5344CB8AC3E}">
@@ -2484,7 +2516,7 @@
           <a:p>
             <a:fld id="{B00C791C-8BCF-4D5C-9CE2-A2946A89C16C}" type="datetimeFigureOut">
               <a:rPr lang="en-US" smtClean="0"/>
-              <a:t>11/30/2021</a:t>
+              <a:t>12/5/2021</a:t>
             </a:fld>
             <a:endParaRPr lang="en-US"/>
           </a:p>
@@ -2544,43 +2576,79 @@
           </a:p>
         </p:txBody>
       </p:sp>
-      <p:sp>
-        <p:nvSpPr>
-          <p:cNvPr id="5" name="Picture Placeholder 9">
-            <a:extLst>
-              <a:ext uri="{FF2B5EF4-FFF2-40B4-BE49-F238E27FC236}">
-                <a16:creationId xmlns:a16="http://schemas.microsoft.com/office/drawing/2014/main" id="{47309E9D-9638-4AE0-8D83-C741D7D59EE3}"/>
-              </a:ext>
-            </a:extLst>
-          </p:cNvPr>
-          <p:cNvSpPr>
-            <a:spLocks noGrp="1"/>
-          </p:cNvSpPr>
-          <p:nvPr>
-            <p:ph type="pic" sz="quarter" idx="13" hasCustomPrompt="1"/>
-          </p:nvPr>
-        </p:nvSpPr>
+      <p:cxnSp>
+        <p:nvCxnSpPr>
+          <p:cNvPr id="6" name="Straight Connector 5">
+            <a:extLst>
+              <a:ext uri="{FF2B5EF4-FFF2-40B4-BE49-F238E27FC236}">
+                <a16:creationId xmlns:a16="http://schemas.microsoft.com/office/drawing/2014/main" id="{30951D9D-BBB5-45CD-87E2-7DFEF281F6E1}"/>
+              </a:ext>
+            </a:extLst>
+          </p:cNvPr>
+          <p:cNvCxnSpPr/>
+          <p:nvPr userDrawn="1"/>
+        </p:nvCxnSpPr>
         <p:spPr>
           <a:xfrm>
-            <a:off x="10310813" y="127000"/>
-            <a:ext cx="1728787" cy="695325"/>
+            <a:off x="152400" y="854366"/>
+            <a:ext cx="11887200" cy="0"/>
           </a:xfrm>
+          <a:prstGeom prst="line">
+            <a:avLst/>
+          </a:prstGeom>
+          <a:ln w="31750"/>
         </p:spPr>
-        <p:txBody>
-          <a:bodyPr/>
-          <a:lstStyle>
-            <a:lvl1pPr>
-              <a:defRPr/>
-            </a:lvl1pPr>
-          </a:lstStyle>
-          <a:p>
-            <a:r>
-              <a:rPr lang="en-US" dirty="0"/>
-              <a:t>Logo</a:t>
-            </a:r>
-          </a:p>
-        </p:txBody>
-      </p:sp>
+        <p:style>
+          <a:lnRef idx="1">
+            <a:schemeClr val="accent3"/>
+          </a:lnRef>
+          <a:fillRef idx="0">
+            <a:schemeClr val="accent3"/>
+          </a:fillRef>
+          <a:effectRef idx="0">
+            <a:schemeClr val="accent3"/>
+          </a:effectRef>
+          <a:fontRef idx="minor">
+            <a:schemeClr val="tx1"/>
+          </a:fontRef>
+        </p:style>
+      </p:cxnSp>
+      <p:pic>
+        <p:nvPicPr>
+          <p:cNvPr id="7" name="Picture 6" descr="Logo, company name&#10;&#10;Description automatically generated">
+            <a:extLst>
+              <a:ext uri="{FF2B5EF4-FFF2-40B4-BE49-F238E27FC236}">
+                <a16:creationId xmlns:a16="http://schemas.microsoft.com/office/drawing/2014/main" id="{31EF2326-B0DC-454E-B668-500854A7131F}"/>
+              </a:ext>
+            </a:extLst>
+          </p:cNvPr>
+          <p:cNvPicPr>
+            <a:picLocks noChangeAspect="1"/>
+          </p:cNvPicPr>
+          <p:nvPr userDrawn="1"/>
+        </p:nvPicPr>
+        <p:blipFill>
+          <a:blip r:embed="rId2">
+            <a:extLst>
+              <a:ext uri="{28A0092B-C50C-407E-A947-70E740481C1C}">
+                <a14:useLocalDpi xmlns:a14="http://schemas.microsoft.com/office/drawing/2010/main" val="0"/>
+              </a:ext>
+            </a:extLst>
+          </a:blip>
+          <a:stretch>
+            <a:fillRect/>
+          </a:stretch>
+        </p:blipFill>
+        <p:spPr>
+          <a:xfrm>
+            <a:off x="10383209" y="36591"/>
+            <a:ext cx="1202438" cy="800102"/>
+          </a:xfrm>
+          <a:prstGeom prst="rect">
+            <a:avLst/>
+          </a:prstGeom>
+        </p:spPr>
+      </p:pic>
     </p:spTree>
     <p:extLst>
       <p:ext uri="{BB962C8B-B14F-4D97-AF65-F5344CB8AC3E}">
@@ -2795,7 +2863,7 @@
           <a:p>
             <a:fld id="{B00C791C-8BCF-4D5C-9CE2-A2946A89C16C}" type="datetimeFigureOut">
               <a:rPr lang="en-US" smtClean="0"/>
-              <a:t>11/30/2021</a:t>
+              <a:t>12/5/2021</a:t>
             </a:fld>
             <a:endParaRPr lang="en-US"/>
           </a:p>
@@ -2852,43 +2920,6 @@
               <a:t>‹#›</a:t>
             </a:fld>
             <a:endParaRPr lang="en-US"/>
-          </a:p>
-        </p:txBody>
-      </p:sp>
-      <p:sp>
-        <p:nvSpPr>
-          <p:cNvPr id="8" name="Picture Placeholder 9">
-            <a:extLst>
-              <a:ext uri="{FF2B5EF4-FFF2-40B4-BE49-F238E27FC236}">
-                <a16:creationId xmlns:a16="http://schemas.microsoft.com/office/drawing/2014/main" id="{4F5C0225-93FD-43B5-8787-F6DC6B8F86F3}"/>
-              </a:ext>
-            </a:extLst>
-          </p:cNvPr>
-          <p:cNvSpPr>
-            <a:spLocks noGrp="1"/>
-          </p:cNvSpPr>
-          <p:nvPr>
-            <p:ph type="pic" sz="quarter" idx="13" hasCustomPrompt="1"/>
-          </p:nvPr>
-        </p:nvSpPr>
-        <p:spPr>
-          <a:xfrm>
-            <a:off x="10310813" y="127000"/>
-            <a:ext cx="1728787" cy="695325"/>
-          </a:xfrm>
-        </p:spPr>
-        <p:txBody>
-          <a:bodyPr/>
-          <a:lstStyle>
-            <a:lvl1pPr>
-              <a:defRPr/>
-            </a:lvl1pPr>
-          </a:lstStyle>
-          <a:p>
-            <a:r>
-              <a:rPr lang="en-US" dirty="0"/>
-              <a:t>Logo</a:t>
-            </a:r>
           </a:p>
         </p:txBody>
       </p:sp>
@@ -2953,6 +2984,79 @@
           </a:p>
         </p:txBody>
       </p:sp>
+      <p:cxnSp>
+        <p:nvCxnSpPr>
+          <p:cNvPr id="10" name="Straight Connector 9">
+            <a:extLst>
+              <a:ext uri="{FF2B5EF4-FFF2-40B4-BE49-F238E27FC236}">
+                <a16:creationId xmlns:a16="http://schemas.microsoft.com/office/drawing/2014/main" id="{BD46176E-5F10-46EA-BB2B-F608F4973323}"/>
+              </a:ext>
+            </a:extLst>
+          </p:cNvPr>
+          <p:cNvCxnSpPr/>
+          <p:nvPr userDrawn="1"/>
+        </p:nvCxnSpPr>
+        <p:spPr>
+          <a:xfrm>
+            <a:off x="152400" y="854366"/>
+            <a:ext cx="11887200" cy="0"/>
+          </a:xfrm>
+          <a:prstGeom prst="line">
+            <a:avLst/>
+          </a:prstGeom>
+          <a:ln w="31750"/>
+        </p:spPr>
+        <p:style>
+          <a:lnRef idx="1">
+            <a:schemeClr val="accent3"/>
+          </a:lnRef>
+          <a:fillRef idx="0">
+            <a:schemeClr val="accent3"/>
+          </a:fillRef>
+          <a:effectRef idx="0">
+            <a:schemeClr val="accent3"/>
+          </a:effectRef>
+          <a:fontRef idx="minor">
+            <a:schemeClr val="tx1"/>
+          </a:fontRef>
+        </p:style>
+      </p:cxnSp>
+      <p:pic>
+        <p:nvPicPr>
+          <p:cNvPr id="11" name="Picture 10" descr="Logo, company name&#10;&#10;Description automatically generated">
+            <a:extLst>
+              <a:ext uri="{FF2B5EF4-FFF2-40B4-BE49-F238E27FC236}">
+                <a16:creationId xmlns:a16="http://schemas.microsoft.com/office/drawing/2014/main" id="{0E9BECD2-95DC-46D4-B7E8-0ED3911DCE4C}"/>
+              </a:ext>
+            </a:extLst>
+          </p:cNvPr>
+          <p:cNvPicPr>
+            <a:picLocks noChangeAspect="1"/>
+          </p:cNvPicPr>
+          <p:nvPr userDrawn="1"/>
+        </p:nvPicPr>
+        <p:blipFill>
+          <a:blip r:embed="rId2">
+            <a:extLst>
+              <a:ext uri="{28A0092B-C50C-407E-A947-70E740481C1C}">
+                <a14:useLocalDpi xmlns:a14="http://schemas.microsoft.com/office/drawing/2010/main" val="0"/>
+              </a:ext>
+            </a:extLst>
+          </a:blip>
+          <a:stretch>
+            <a:fillRect/>
+          </a:stretch>
+        </p:blipFill>
+        <p:spPr>
+          <a:xfrm>
+            <a:off x="10383209" y="36591"/>
+            <a:ext cx="1202438" cy="800102"/>
+          </a:xfrm>
+          <a:prstGeom prst="rect">
+            <a:avLst/>
+          </a:prstGeom>
+        </p:spPr>
+      </p:pic>
     </p:spTree>
     <p:extLst>
       <p:ext uri="{BB962C8B-B14F-4D97-AF65-F5344CB8AC3E}">
@@ -3181,7 +3285,7 @@
           <a:p>
             <a:fld id="{B00C791C-8BCF-4D5C-9CE2-A2946A89C16C}" type="datetimeFigureOut">
               <a:rPr lang="en-US" smtClean="0"/>
-              <a:t>11/30/2021</a:t>
+              <a:t>12/5/2021</a:t>
             </a:fld>
             <a:endParaRPr lang="en-US"/>
           </a:p>
@@ -3241,43 +3345,42 @@
           </a:p>
         </p:txBody>
       </p:sp>
-      <p:sp>
-        <p:nvSpPr>
-          <p:cNvPr id="8" name="Picture Placeholder 9">
-            <a:extLst>
-              <a:ext uri="{FF2B5EF4-FFF2-40B4-BE49-F238E27FC236}">
-                <a16:creationId xmlns:a16="http://schemas.microsoft.com/office/drawing/2014/main" id="{0FC61FFE-C0DF-4EF0-9DE1-1DBBBFC87BC4}"/>
-              </a:ext>
-            </a:extLst>
-          </p:cNvPr>
-          <p:cNvSpPr>
-            <a:spLocks noGrp="1"/>
-          </p:cNvSpPr>
-          <p:nvPr>
-            <p:ph type="pic" sz="quarter" idx="13" hasCustomPrompt="1"/>
-          </p:nvPr>
-        </p:nvSpPr>
+      <p:pic>
+        <p:nvPicPr>
+          <p:cNvPr id="9" name="Picture 8" descr="Logo, company name&#10;&#10;Description automatically generated">
+            <a:extLst>
+              <a:ext uri="{FF2B5EF4-FFF2-40B4-BE49-F238E27FC236}">
+                <a16:creationId xmlns:a16="http://schemas.microsoft.com/office/drawing/2014/main" id="{90D20E5F-D63E-4DB2-9B8A-EB3BDD746D5D}"/>
+              </a:ext>
+            </a:extLst>
+          </p:cNvPr>
+          <p:cNvPicPr>
+            <a:picLocks noChangeAspect="1"/>
+          </p:cNvPicPr>
+          <p:nvPr userDrawn="1"/>
+        </p:nvPicPr>
+        <p:blipFill>
+          <a:blip r:embed="rId2">
+            <a:extLst>
+              <a:ext uri="{28A0092B-C50C-407E-A947-70E740481C1C}">
+                <a14:useLocalDpi xmlns:a14="http://schemas.microsoft.com/office/drawing/2010/main" val="0"/>
+              </a:ext>
+            </a:extLst>
+          </a:blip>
+          <a:stretch>
+            <a:fillRect/>
+          </a:stretch>
+        </p:blipFill>
         <p:spPr>
           <a:xfrm>
-            <a:off x="10310813" y="127000"/>
-            <a:ext cx="1728787" cy="695325"/>
+            <a:off x="10383209" y="36591"/>
+            <a:ext cx="1202438" cy="800102"/>
           </a:xfrm>
+          <a:prstGeom prst="rect">
+            <a:avLst/>
+          </a:prstGeom>
         </p:spPr>
-        <p:txBody>
-          <a:bodyPr/>
-          <a:lstStyle>
-            <a:lvl1pPr>
-              <a:defRPr/>
-            </a:lvl1pPr>
-          </a:lstStyle>
-          <a:p>
-            <a:r>
-              <a:rPr lang="en-US" dirty="0"/>
-              <a:t>Logo</a:t>
-            </a:r>
-          </a:p>
-        </p:txBody>
-      </p:sp>
+      </p:pic>
     </p:spTree>
     <p:extLst>
       <p:ext uri="{BB962C8B-B14F-4D97-AF65-F5344CB8AC3E}">
@@ -3459,7 +3562,7 @@
           <a:p>
             <a:fld id="{B00C791C-8BCF-4D5C-9CE2-A2946A89C16C}" type="datetimeFigureOut">
               <a:rPr lang="en-US" smtClean="0"/>
-              <a:t>11/30/2021</a:t>
+              <a:t>12/5/2021</a:t>
             </a:fld>
             <a:endParaRPr lang="en-US" dirty="0"/>
           </a:p>
@@ -4094,24 +4197,6 @@
           </a:p>
         </p:txBody>
       </p:sp>
-      <p:sp>
-        <p:nvSpPr>
-          <p:cNvPr id="4" name="Picture Placeholder 3">
-            <a:extLst>
-              <a:ext uri="{FF2B5EF4-FFF2-40B4-BE49-F238E27FC236}">
-                <a16:creationId xmlns:a16="http://schemas.microsoft.com/office/drawing/2014/main" id="{BE9478EB-7CBB-4915-AB24-FA95101DCF52}"/>
-              </a:ext>
-            </a:extLst>
-          </p:cNvPr>
-          <p:cNvSpPr>
-            <a:spLocks noGrp="1"/>
-          </p:cNvSpPr>
-          <p:nvPr>
-            <p:ph type="pic" sz="quarter" idx="13"/>
-          </p:nvPr>
-        </p:nvSpPr>
-        <p:spPr/>
-      </p:sp>
     </p:spTree>
     <p:extLst>
       <p:ext uri="{BB962C8B-B14F-4D97-AF65-F5344CB8AC3E}">
@@ -4197,24 +4282,6 @@
             </a:r>
           </a:p>
         </p:txBody>
-      </p:sp>
-      <p:sp>
-        <p:nvSpPr>
-          <p:cNvPr id="4" name="Picture Placeholder 3">
-            <a:extLst>
-              <a:ext uri="{FF2B5EF4-FFF2-40B4-BE49-F238E27FC236}">
-                <a16:creationId xmlns:a16="http://schemas.microsoft.com/office/drawing/2014/main" id="{89F742FB-B95D-43B3-8E16-A8B980A1E16A}"/>
-              </a:ext>
-            </a:extLst>
-          </p:cNvPr>
-          <p:cNvSpPr>
-            <a:spLocks noGrp="1"/>
-          </p:cNvSpPr>
-          <p:nvPr>
-            <p:ph type="pic" sz="quarter" idx="13"/>
-          </p:nvPr>
-        </p:nvSpPr>
-        <p:spPr/>
       </p:sp>
     </p:spTree>
     <p:extLst>

--- a/Template.pptx
+++ b/Template.pptx
@@ -8,6 +8,7 @@
     <p:sldId id="256" r:id="rId2"/>
     <p:sldId id="257" r:id="rId3"/>
     <p:sldId id="258" r:id="rId4"/>
+    <p:sldId id="259" r:id="rId5"/>
   </p:sldIdLst>
   <p:sldSz cx="12192000" cy="6858000"/>
   <p:notesSz cx="6858000" cy="9144000"/>
@@ -4296,6 +4297,111 @@
 </p:sld>
 </file>
 
+<file path=ppt/slides/slide4.xml><?xml version="1.0" encoding="utf-8"?>
+<p:sld xmlns:a="http://schemas.openxmlformats.org/drawingml/2006/main" xmlns:r="http://schemas.openxmlformats.org/officeDocument/2006/relationships" xmlns:p="http://schemas.openxmlformats.org/presentationml/2006/main">
+  <p:cSld>
+    <p:spTree>
+      <p:nvGrpSpPr>
+        <p:cNvPr id="1" name=""/>
+        <p:cNvGrpSpPr/>
+        <p:nvPr/>
+      </p:nvGrpSpPr>
+      <p:grpSpPr>
+        <a:xfrm>
+          <a:off x="0" y="0"/>
+          <a:ext cx="0" cy="0"/>
+          <a:chOff x="0" y="0"/>
+          <a:chExt cx="0" cy="0"/>
+        </a:xfrm>
+      </p:grpSpPr>
+      <p:sp>
+        <p:nvSpPr>
+          <p:cNvPr id="2" name="Title 1">
+            <a:extLst>
+              <a:ext uri="{FF2B5EF4-FFF2-40B4-BE49-F238E27FC236}">
+                <a16:creationId xmlns:a16="http://schemas.microsoft.com/office/drawing/2014/main" id="{F7749012-41F3-4DAB-9C07-651606F70B4B}"/>
+              </a:ext>
+            </a:extLst>
+          </p:cNvPr>
+          <p:cNvSpPr>
+            <a:spLocks noGrp="1"/>
+          </p:cNvSpPr>
+          <p:nvPr>
+            <p:ph type="title"/>
+          </p:nvPr>
+        </p:nvSpPr>
+        <p:spPr/>
+        <p:txBody>
+          <a:bodyPr/>
+          <a:lstStyle/>
+          <a:p>
+            <a:endParaRPr lang="en-US"/>
+          </a:p>
+        </p:txBody>
+      </p:sp>
+      <p:sp>
+        <p:nvSpPr>
+          <p:cNvPr id="3" name="Content Placeholder 2">
+            <a:extLst>
+              <a:ext uri="{FF2B5EF4-FFF2-40B4-BE49-F238E27FC236}">
+                <a16:creationId xmlns:a16="http://schemas.microsoft.com/office/drawing/2014/main" id="{FDECC1C3-8DDE-49A5-A6A2-6E208A9F8ACF}"/>
+              </a:ext>
+            </a:extLst>
+          </p:cNvPr>
+          <p:cNvSpPr>
+            <a:spLocks noGrp="1"/>
+          </p:cNvSpPr>
+          <p:nvPr>
+            <p:ph sz="half" idx="1"/>
+          </p:nvPr>
+        </p:nvSpPr>
+        <p:spPr/>
+        <p:txBody>
+          <a:bodyPr/>
+          <a:lstStyle/>
+          <a:p>
+            <a:endParaRPr lang="en-US"/>
+          </a:p>
+        </p:txBody>
+      </p:sp>
+      <p:sp>
+        <p:nvSpPr>
+          <p:cNvPr id="4" name="Content Placeholder 3">
+            <a:extLst>
+              <a:ext uri="{FF2B5EF4-FFF2-40B4-BE49-F238E27FC236}">
+                <a16:creationId xmlns:a16="http://schemas.microsoft.com/office/drawing/2014/main" id="{4B564F1F-E17D-4D30-8156-D30AB26AE020}"/>
+              </a:ext>
+            </a:extLst>
+          </p:cNvPr>
+          <p:cNvSpPr>
+            <a:spLocks noGrp="1"/>
+          </p:cNvSpPr>
+          <p:nvPr>
+            <p:ph sz="half" idx="2"/>
+          </p:nvPr>
+        </p:nvSpPr>
+        <p:spPr/>
+        <p:txBody>
+          <a:bodyPr/>
+          <a:lstStyle/>
+          <a:p>
+            <a:endParaRPr lang="en-US"/>
+          </a:p>
+        </p:txBody>
+      </p:sp>
+    </p:spTree>
+    <p:extLst>
+      <p:ext uri="{BB962C8B-B14F-4D97-AF65-F5344CB8AC3E}">
+        <p14:creationId xmlns:p14="http://schemas.microsoft.com/office/powerpoint/2010/main" val="4203728371"/>
+      </p:ext>
+    </p:extLst>
+  </p:cSld>
+  <p:clrMapOvr>
+    <a:masterClrMapping/>
+  </p:clrMapOvr>
+</p:sld>
+</file>
+
 <file path=ppt/theme/theme1.xml><?xml version="1.0" encoding="utf-8"?>
 <a:theme xmlns:a="http://schemas.openxmlformats.org/drawingml/2006/main" name="Office Theme">
   <a:themeElements>
